--- a/Documents/Proposed Automation Testing Methodology.pptx
+++ b/Documents/Proposed Automation Testing Methodology.pptx
@@ -327,7 +327,7 @@
           <a:p>
             <a:fld id="{C131DC5E-BD3F-48C1-9909-87DC9793B5BF}" type="datetimeFigureOut">
               <a:rPr lang="en-US" smtClean="0"/>
-              <a:t>2/12/2019</a:t>
+              <a:t>6/9/2019</a:t>
             </a:fld>
             <a:endParaRPr lang="en-US"/>
           </a:p>
@@ -517,7 +517,7 @@
           <a:p>
             <a:fld id="{C131DC5E-BD3F-48C1-9909-87DC9793B5BF}" type="datetimeFigureOut">
               <a:rPr lang="en-US" smtClean="0"/>
-              <a:t>2/12/2019</a:t>
+              <a:t>6/9/2019</a:t>
             </a:fld>
             <a:endParaRPr lang="en-US"/>
           </a:p>
@@ -697,7 +697,7 @@
           <a:p>
             <a:fld id="{C131DC5E-BD3F-48C1-9909-87DC9793B5BF}" type="datetimeFigureOut">
               <a:rPr lang="en-US" smtClean="0"/>
-              <a:t>2/12/2019</a:t>
+              <a:t>6/9/2019</a:t>
             </a:fld>
             <a:endParaRPr lang="en-US"/>
           </a:p>
@@ -796,7 +796,7 @@
           <a:graphicData uri="http://schemas.openxmlformats.org/presentationml/2006/ole">
             <mc:AlternateContent xmlns:mc="http://schemas.openxmlformats.org/markup-compatibility/2006">
               <mc:Choice xmlns:v="urn:schemas-microsoft-com:vml" Requires="v">
-                <p:oleObj spid="_x0000_s3094" name="think-cell Slide" r:id="rId4" imgW="473" imgH="468" progId="TCLayout.ActiveDocument.1">
+                <p:oleObj spid="_x0000_s3102" name="think-cell Slide" r:id="rId4" imgW="473" imgH="468" progId="TCLayout.ActiveDocument.1">
                   <p:embed/>
                 </p:oleObj>
               </mc:Choice>
@@ -1342,7 +1342,7 @@
           <a:graphicData uri="http://schemas.openxmlformats.org/presentationml/2006/ole">
             <mc:AlternateContent xmlns:mc="http://schemas.openxmlformats.org/markup-compatibility/2006">
               <mc:Choice xmlns:v="urn:schemas-microsoft-com:vml" Requires="v">
-                <p:oleObj spid="_x0000_s4118" name="think-cell Slide" r:id="rId4" imgW="359" imgH="360" progId="TCLayout.ActiveDocument.1">
+                <p:oleObj spid="_x0000_s4126" name="think-cell Slide" r:id="rId4" imgW="359" imgH="360" progId="TCLayout.ActiveDocument.1">
                   <p:embed/>
                 </p:oleObj>
               </mc:Choice>
@@ -1822,7 +1822,7 @@
           <a:p>
             <a:fld id="{C131DC5E-BD3F-48C1-9909-87DC9793B5BF}" type="datetimeFigureOut">
               <a:rPr lang="en-US" smtClean="0"/>
-              <a:t>2/12/2019</a:t>
+              <a:t>6/9/2019</a:t>
             </a:fld>
             <a:endParaRPr lang="en-US"/>
           </a:p>
@@ -2078,7 +2078,7 @@
           <a:p>
             <a:fld id="{C131DC5E-BD3F-48C1-9909-87DC9793B5BF}" type="datetimeFigureOut">
               <a:rPr lang="en-US" smtClean="0"/>
-              <a:t>2/12/2019</a:t>
+              <a:t>6/9/2019</a:t>
             </a:fld>
             <a:endParaRPr lang="en-US"/>
           </a:p>
@@ -2366,7 +2366,7 @@
           <a:p>
             <a:fld id="{C131DC5E-BD3F-48C1-9909-87DC9793B5BF}" type="datetimeFigureOut">
               <a:rPr lang="en-US" smtClean="0"/>
-              <a:t>2/12/2019</a:t>
+              <a:t>6/9/2019</a:t>
             </a:fld>
             <a:endParaRPr lang="en-US"/>
           </a:p>
@@ -2804,7 +2804,7 @@
           <a:p>
             <a:fld id="{C131DC5E-BD3F-48C1-9909-87DC9793B5BF}" type="datetimeFigureOut">
               <a:rPr lang="en-US" smtClean="0"/>
-              <a:t>2/12/2019</a:t>
+              <a:t>6/9/2019</a:t>
             </a:fld>
             <a:endParaRPr lang="en-US"/>
           </a:p>
@@ -2922,7 +2922,7 @@
           <a:p>
             <a:fld id="{C131DC5E-BD3F-48C1-9909-87DC9793B5BF}" type="datetimeFigureOut">
               <a:rPr lang="en-US" smtClean="0"/>
-              <a:t>2/12/2019</a:t>
+              <a:t>6/9/2019</a:t>
             </a:fld>
             <a:endParaRPr lang="en-US"/>
           </a:p>
@@ -3017,7 +3017,7 @@
           <a:p>
             <a:fld id="{C131DC5E-BD3F-48C1-9909-87DC9793B5BF}" type="datetimeFigureOut">
               <a:rPr lang="en-US" smtClean="0"/>
-              <a:t>2/12/2019</a:t>
+              <a:t>6/9/2019</a:t>
             </a:fld>
             <a:endParaRPr lang="en-US"/>
           </a:p>
@@ -3373,7 +3373,7 @@
           <a:p>
             <a:fld id="{C131DC5E-BD3F-48C1-9909-87DC9793B5BF}" type="datetimeFigureOut">
               <a:rPr lang="en-US" smtClean="0"/>
-              <a:t>2/12/2019</a:t>
+              <a:t>6/9/2019</a:t>
             </a:fld>
             <a:endParaRPr lang="en-US"/>
           </a:p>
@@ -3689,7 +3689,7 @@
           <a:p>
             <a:fld id="{C131DC5E-BD3F-48C1-9909-87DC9793B5BF}" type="datetimeFigureOut">
               <a:rPr lang="en-US" smtClean="0"/>
-              <a:t>2/12/2019</a:t>
+              <a:t>6/9/2019</a:t>
             </a:fld>
             <a:endParaRPr lang="en-US"/>
           </a:p>
@@ -3922,7 +3922,7 @@
           <a:p>
             <a:fld id="{C131DC5E-BD3F-48C1-9909-87DC9793B5BF}" type="datetimeFigureOut">
               <a:rPr lang="en-US" smtClean="0"/>
-              <a:t>2/12/2019</a:t>
+              <a:t>6/9/2019</a:t>
             </a:fld>
             <a:endParaRPr lang="en-US"/>
           </a:p>
@@ -4389,31 +4389,6 @@
           </a:p>
         </p:txBody>
       </p:sp>
-      <p:sp>
-        <p:nvSpPr>
-          <p:cNvPr id="5" name="Subtitle 4">
-            <a:extLst>
-              <a:ext uri="{FF2B5EF4-FFF2-40B4-BE49-F238E27FC236}">
-                <a16:creationId xmlns:a16="http://schemas.microsoft.com/office/drawing/2014/main" id="{A6B173B4-73A6-4E3F-B9FB-1234F23EE94B}"/>
-              </a:ext>
-            </a:extLst>
-          </p:cNvPr>
-          <p:cNvSpPr>
-            <a:spLocks noGrp="1"/>
-          </p:cNvSpPr>
-          <p:nvPr>
-            <p:ph type="subTitle" idx="1"/>
-          </p:nvPr>
-        </p:nvSpPr>
-        <p:spPr/>
-        <p:txBody>
-          <a:bodyPr/>
-          <a:lstStyle/>
-          <a:p>
-            <a:endParaRPr lang="en-US"/>
-          </a:p>
-        </p:txBody>
-      </p:sp>
     </p:spTree>
     <p:extLst>
       <p:ext uri="{BB962C8B-B14F-4D97-AF65-F5344CB8AC3E}">
@@ -4516,7 +4491,7 @@
           <a:p>
             <a:r>
               <a:rPr lang="en-US" dirty="0"/>
-              <a:t>The Test Environment Setup is part of test planning. It represents the need to plan, track and manage test environment set up activities, where material procurements may have long lead-times. The test team needs to schedule and track environment set up activities; install test environment hardware, software and network resources; integrate and install test environment resources; obtain/refine test databases; and develop environment setup scripts and test bed scripts.</a:t>
+              <a:t>The Test Environment Setup is part of test planning. It represents the need to plan, track and manage test environment set up activities, where material procurements may have long lead-times. The test team needs to schedule and track environment set up activities; install test environment hardware, software and network resources; integrate and install test environment resources; obtain/refine test databases; and develop environment setup scripts and test scripts.</a:t>
             </a:r>
           </a:p>
         </p:txBody>
@@ -4590,31 +4565,6 @@
               <a:rPr lang="en-US" dirty="0"/>
               <a:t> A test development architecture is developed, which provides the test team with a clear picture of the test development preparation activities or building blocks necessary for the efficient creation of test procedures. Prior to the commencement of test development, the test team also needs to perform analysis to identify the potential for reuse of already existing test procedures and scripts within the Automation Infrastructure.</a:t>
             </a:r>
-          </a:p>
-        </p:txBody>
-      </p:sp>
-      <p:sp>
-        <p:nvSpPr>
-          <p:cNvPr id="6" name="Text Placeholder 5">
-            <a:extLst>
-              <a:ext uri="{FF2B5EF4-FFF2-40B4-BE49-F238E27FC236}">
-                <a16:creationId xmlns:a16="http://schemas.microsoft.com/office/drawing/2014/main" id="{EE741BDA-1C54-48B8-8643-1F5334F984ED}"/>
-              </a:ext>
-            </a:extLst>
-          </p:cNvPr>
-          <p:cNvSpPr>
-            <a:spLocks noGrp="1"/>
-          </p:cNvSpPr>
-          <p:nvPr>
-            <p:ph type="body" sz="quarter" idx="14"/>
-          </p:nvPr>
-        </p:nvSpPr>
-        <p:spPr/>
-        <p:txBody>
-          <a:bodyPr/>
-          <a:lstStyle/>
-          <a:p>
-            <a:endParaRPr lang="en-US"/>
           </a:p>
         </p:txBody>
       </p:sp>
@@ -4721,66 +4671,8 @@
           <a:p>
             <a:r>
               <a:rPr lang="en-US" dirty="0"/>
-              <a:t>With the test plan in hand and the test environment now operational, it is time to execute the tests defined for the </a:t>
-            </a:r>
-            <a:r>
-              <a:rPr lang="en-US" dirty="0" err="1"/>
-              <a:t>tesT.</a:t>
-            </a:r>
-            <a:r>
-              <a:rPr lang="en-US" dirty="0"/>
-              <a:t> </a:t>
-            </a:r>
-          </a:p>
-        </p:txBody>
-      </p:sp>
-      <p:sp>
-        <p:nvSpPr>
-          <p:cNvPr id="4" name="Text Placeholder 3">
-            <a:extLst>
-              <a:ext uri="{FF2B5EF4-FFF2-40B4-BE49-F238E27FC236}">
-                <a16:creationId xmlns:a16="http://schemas.microsoft.com/office/drawing/2014/main" id="{D49120C8-8764-4F15-828A-F6891AFCDE60}"/>
-              </a:ext>
-            </a:extLst>
-          </p:cNvPr>
-          <p:cNvSpPr>
-            <a:spLocks noGrp="1"/>
-          </p:cNvSpPr>
-          <p:nvPr>
-            <p:ph type="body" sz="quarter" idx="13"/>
-          </p:nvPr>
-        </p:nvSpPr>
-        <p:spPr/>
-        <p:txBody>
-          <a:bodyPr/>
-          <a:lstStyle/>
-          <a:p>
-            <a:endParaRPr lang="en-US"/>
-          </a:p>
-        </p:txBody>
-      </p:sp>
-      <p:sp>
-        <p:nvSpPr>
-          <p:cNvPr id="6" name="Text Placeholder 5">
-            <a:extLst>
-              <a:ext uri="{FF2B5EF4-FFF2-40B4-BE49-F238E27FC236}">
-                <a16:creationId xmlns:a16="http://schemas.microsoft.com/office/drawing/2014/main" id="{1D3AD406-A917-4C8D-9350-269D48D136F2}"/>
-              </a:ext>
-            </a:extLst>
-          </p:cNvPr>
-          <p:cNvSpPr>
-            <a:spLocks noGrp="1"/>
-          </p:cNvSpPr>
-          <p:nvPr>
-            <p:ph type="body" sz="quarter" idx="14"/>
-          </p:nvPr>
-        </p:nvSpPr>
-        <p:spPr/>
-        <p:txBody>
-          <a:bodyPr/>
-          <a:lstStyle/>
-          <a:p>
-            <a:endParaRPr lang="en-US"/>
+              <a:t>With the test plan in hand and the test environment now operational, it is time to execute the tests defined for the test. </a:t>
+            </a:r>
           </a:p>
         </p:txBody>
       </p:sp>
@@ -4920,56 +4812,6 @@
           </a:p>
         </p:txBody>
       </p:sp>
-      <p:sp>
-        <p:nvSpPr>
-          <p:cNvPr id="4" name="Text Placeholder 3">
-            <a:extLst>
-              <a:ext uri="{FF2B5EF4-FFF2-40B4-BE49-F238E27FC236}">
-                <a16:creationId xmlns:a16="http://schemas.microsoft.com/office/drawing/2014/main" id="{4D6488B0-2C97-4F34-9867-222511DF09F3}"/>
-              </a:ext>
-            </a:extLst>
-          </p:cNvPr>
-          <p:cNvSpPr>
-            <a:spLocks noGrp="1"/>
-          </p:cNvSpPr>
-          <p:nvPr>
-            <p:ph type="body" sz="quarter" idx="13"/>
-          </p:nvPr>
-        </p:nvSpPr>
-        <p:spPr/>
-        <p:txBody>
-          <a:bodyPr/>
-          <a:lstStyle/>
-          <a:p>
-            <a:endParaRPr lang="en-US" dirty="0"/>
-          </a:p>
-        </p:txBody>
-      </p:sp>
-      <p:sp>
-        <p:nvSpPr>
-          <p:cNvPr id="6" name="Text Placeholder 5">
-            <a:extLst>
-              <a:ext uri="{FF2B5EF4-FFF2-40B4-BE49-F238E27FC236}">
-                <a16:creationId xmlns:a16="http://schemas.microsoft.com/office/drawing/2014/main" id="{DBF30D68-BD18-4DF9-9765-1F4F4B96427F}"/>
-              </a:ext>
-            </a:extLst>
-          </p:cNvPr>
-          <p:cNvSpPr>
-            <a:spLocks noGrp="1"/>
-          </p:cNvSpPr>
-          <p:nvPr>
-            <p:ph type="body" sz="quarter" idx="14"/>
-          </p:nvPr>
-        </p:nvSpPr>
-        <p:spPr/>
-        <p:txBody>
-          <a:bodyPr/>
-          <a:lstStyle/>
-          <a:p>
-            <a:endParaRPr lang="en-US"/>
-          </a:p>
-        </p:txBody>
-      </p:sp>
       <p:pic>
         <p:nvPicPr>
           <p:cNvPr id="7" name="Picture 6">
@@ -5089,12 +4931,12 @@
               <a:buChar char="•"/>
             </a:pPr>
             <a:r>
-              <a:rPr lang="en-GB" b="0" dirty="0" err="1"/>
-              <a:t>CodedUI</a:t>
+              <a:rPr lang="en-GB" b="0"/>
+              <a:t>CodedUI </a:t>
             </a:r>
             <a:r>
               <a:rPr lang="en-GB" b="0" dirty="0"/>
-              <a:t> Automation code</a:t>
+              <a:t>driver Automation code</a:t>
             </a:r>
           </a:p>
           <a:p>
@@ -5289,31 +5131,6 @@
               <a:rPr lang="en-US" b="0" dirty="0"/>
               <a:t>Continuous Integration and Continuous Delivery</a:t>
             </a:r>
-          </a:p>
-        </p:txBody>
-      </p:sp>
-      <p:sp>
-        <p:nvSpPr>
-          <p:cNvPr id="6" name="Text Placeholder 5">
-            <a:extLst>
-              <a:ext uri="{FF2B5EF4-FFF2-40B4-BE49-F238E27FC236}">
-                <a16:creationId xmlns:a16="http://schemas.microsoft.com/office/drawing/2014/main" id="{668F298E-537E-4E3A-A944-B3C9E9B0738A}"/>
-              </a:ext>
-            </a:extLst>
-          </p:cNvPr>
-          <p:cNvSpPr>
-            <a:spLocks noGrp="1"/>
-          </p:cNvSpPr>
-          <p:nvPr>
-            <p:ph type="body" sz="quarter" idx="14"/>
-          </p:nvPr>
-        </p:nvSpPr>
-        <p:spPr/>
-        <p:txBody>
-          <a:bodyPr/>
-          <a:lstStyle/>
-          <a:p>
-            <a:endParaRPr lang="en-US"/>
           </a:p>
         </p:txBody>
       </p:sp>
@@ -5505,56 +5322,6 @@
           </a:p>
         </p:txBody>
       </p:sp>
-      <p:sp>
-        <p:nvSpPr>
-          <p:cNvPr id="4" name="Text Placeholder 3">
-            <a:extLst>
-              <a:ext uri="{FF2B5EF4-FFF2-40B4-BE49-F238E27FC236}">
-                <a16:creationId xmlns:a16="http://schemas.microsoft.com/office/drawing/2014/main" id="{8F490C23-FE49-4B8D-A186-90ECE7E39554}"/>
-              </a:ext>
-            </a:extLst>
-          </p:cNvPr>
-          <p:cNvSpPr>
-            <a:spLocks noGrp="1"/>
-          </p:cNvSpPr>
-          <p:nvPr>
-            <p:ph type="body" sz="quarter" idx="13"/>
-          </p:nvPr>
-        </p:nvSpPr>
-        <p:spPr/>
-        <p:txBody>
-          <a:bodyPr/>
-          <a:lstStyle/>
-          <a:p>
-            <a:endParaRPr lang="en-US"/>
-          </a:p>
-        </p:txBody>
-      </p:sp>
-      <p:sp>
-        <p:nvSpPr>
-          <p:cNvPr id="6" name="Text Placeholder 5">
-            <a:extLst>
-              <a:ext uri="{FF2B5EF4-FFF2-40B4-BE49-F238E27FC236}">
-                <a16:creationId xmlns:a16="http://schemas.microsoft.com/office/drawing/2014/main" id="{F6AD39E6-AED6-4D36-8886-6DA6046E9B87}"/>
-              </a:ext>
-            </a:extLst>
-          </p:cNvPr>
-          <p:cNvSpPr>
-            <a:spLocks noGrp="1"/>
-          </p:cNvSpPr>
-          <p:nvPr>
-            <p:ph type="body" sz="quarter" idx="14"/>
-          </p:nvPr>
-        </p:nvSpPr>
-        <p:spPr/>
-        <p:txBody>
-          <a:bodyPr/>
-          <a:lstStyle/>
-          <a:p>
-            <a:endParaRPr lang="en-US"/>
-          </a:p>
-        </p:txBody>
-      </p:sp>
     </p:spTree>
     <p:extLst>
       <p:ext uri="{BB962C8B-B14F-4D97-AF65-F5344CB8AC3E}">
@@ -5666,10 +5433,9 @@
           <a:p>
             <a:pPr lvl="1"/>
             <a:r>
-              <a:rPr lang="en-GB" dirty="0" err="1"/>
+              <a:rPr lang="en-GB" dirty="0"/>
               <a:t>CodedUI</a:t>
             </a:r>
-            <a:endParaRPr lang="en-GB" dirty="0"/>
           </a:p>
           <a:p>
             <a:pPr lvl="1"/>
@@ -5687,10 +5453,9 @@
           <a:p>
             <a:pPr lvl="1"/>
             <a:r>
-              <a:rPr lang="en-GB" dirty="0" err="1"/>
+              <a:rPr lang="en-GB" dirty="0"/>
               <a:t>Nunit</a:t>
             </a:r>
-            <a:endParaRPr lang="en-GB" dirty="0"/>
           </a:p>
           <a:p>
             <a:pPr lvl="1"/>
@@ -5718,56 +5483,6 @@
           <a:p>
             <a:pPr lvl="1"/>
             <a:endParaRPr lang="en-GB" dirty="0"/>
-          </a:p>
-        </p:txBody>
-      </p:sp>
-      <p:sp>
-        <p:nvSpPr>
-          <p:cNvPr id="4" name="Text Placeholder 3">
-            <a:extLst>
-              <a:ext uri="{FF2B5EF4-FFF2-40B4-BE49-F238E27FC236}">
-                <a16:creationId xmlns:a16="http://schemas.microsoft.com/office/drawing/2014/main" id="{84947171-30A4-48C0-9715-6F60A2CB44E8}"/>
-              </a:ext>
-            </a:extLst>
-          </p:cNvPr>
-          <p:cNvSpPr>
-            <a:spLocks noGrp="1"/>
-          </p:cNvSpPr>
-          <p:nvPr>
-            <p:ph type="body" sz="quarter" idx="13"/>
-          </p:nvPr>
-        </p:nvSpPr>
-        <p:spPr/>
-        <p:txBody>
-          <a:bodyPr/>
-          <a:lstStyle/>
-          <a:p>
-            <a:endParaRPr lang="en-US" dirty="0"/>
-          </a:p>
-        </p:txBody>
-      </p:sp>
-      <p:sp>
-        <p:nvSpPr>
-          <p:cNvPr id="8" name="Text Placeholder 7">
-            <a:extLst>
-              <a:ext uri="{FF2B5EF4-FFF2-40B4-BE49-F238E27FC236}">
-                <a16:creationId xmlns:a16="http://schemas.microsoft.com/office/drawing/2014/main" id="{D01DEA00-F361-4B29-93FE-865CB05B901B}"/>
-              </a:ext>
-            </a:extLst>
-          </p:cNvPr>
-          <p:cNvSpPr>
-            <a:spLocks noGrp="1"/>
-          </p:cNvSpPr>
-          <p:nvPr>
-            <p:ph type="body" sz="quarter" idx="14"/>
-          </p:nvPr>
-        </p:nvSpPr>
-        <p:spPr/>
-        <p:txBody>
-          <a:bodyPr/>
-          <a:lstStyle/>
-          <a:p>
-            <a:endParaRPr lang="en-US"/>
           </a:p>
         </p:txBody>
       </p:sp>
@@ -5830,31 +5545,6 @@
           </a:p>
         </p:txBody>
       </p:sp>
-      <p:sp>
-        <p:nvSpPr>
-          <p:cNvPr id="5" name="Text Placeholder 4">
-            <a:extLst>
-              <a:ext uri="{FF2B5EF4-FFF2-40B4-BE49-F238E27FC236}">
-                <a16:creationId xmlns:a16="http://schemas.microsoft.com/office/drawing/2014/main" id="{30AF04AC-D360-469D-8217-A7A5485F87BC}"/>
-              </a:ext>
-            </a:extLst>
-          </p:cNvPr>
-          <p:cNvSpPr>
-            <a:spLocks noGrp="1"/>
-          </p:cNvSpPr>
-          <p:nvPr>
-            <p:ph type="body" sz="quarter" idx="14"/>
-          </p:nvPr>
-        </p:nvSpPr>
-        <p:spPr/>
-        <p:txBody>
-          <a:bodyPr/>
-          <a:lstStyle/>
-          <a:p>
-            <a:endParaRPr lang="en-US"/>
-          </a:p>
-        </p:txBody>
-      </p:sp>
     </p:spTree>
     <p:extLst>
       <p:ext uri="{BB962C8B-B14F-4D97-AF65-F5344CB8AC3E}">
@@ -6368,44 +6058,11 @@
             </a:pPr>
             <a:r>
               <a:rPr lang="en-GB" dirty="0"/>
-              <a:t>One (1)  </a:t>
-            </a:r>
-            <a:r>
-              <a:rPr lang="en-GB" dirty="0" err="1"/>
-              <a:t>CodedUI</a:t>
-            </a:r>
-            <a:r>
-              <a:rPr lang="en-GB" dirty="0"/>
-              <a:t> Tester</a:t>
+              <a:t>One (1)  CodedUI Tester</a:t>
             </a:r>
           </a:p>
           <a:p>
             <a:endParaRPr lang="en-US" dirty="0"/>
-          </a:p>
-        </p:txBody>
-      </p:sp>
-      <p:sp>
-        <p:nvSpPr>
-          <p:cNvPr id="6" name="Text Placeholder 5">
-            <a:extLst>
-              <a:ext uri="{FF2B5EF4-FFF2-40B4-BE49-F238E27FC236}">
-                <a16:creationId xmlns:a16="http://schemas.microsoft.com/office/drawing/2014/main" id="{BB8C5CA6-4F2F-403A-9613-B3CE1DA4853D}"/>
-              </a:ext>
-            </a:extLst>
-          </p:cNvPr>
-          <p:cNvSpPr>
-            <a:spLocks noGrp="1"/>
-          </p:cNvSpPr>
-          <p:nvPr>
-            <p:ph type="body" sz="quarter" idx="14"/>
-          </p:nvPr>
-        </p:nvSpPr>
-        <p:spPr/>
-        <p:txBody>
-          <a:bodyPr/>
-          <a:lstStyle/>
-          <a:p>
-            <a:endParaRPr lang="en-US"/>
           </a:p>
         </p:txBody>
       </p:sp>
@@ -6501,31 +6158,6 @@
           </a:p>
         </p:txBody>
       </p:sp>
-      <p:sp>
-        <p:nvSpPr>
-          <p:cNvPr id="6" name="Text Placeholder 5">
-            <a:extLst>
-              <a:ext uri="{FF2B5EF4-FFF2-40B4-BE49-F238E27FC236}">
-                <a16:creationId xmlns:a16="http://schemas.microsoft.com/office/drawing/2014/main" id="{C5363879-F93A-4AB3-A40D-F398734DD25C}"/>
-              </a:ext>
-            </a:extLst>
-          </p:cNvPr>
-          <p:cNvSpPr>
-            <a:spLocks noGrp="1"/>
-          </p:cNvSpPr>
-          <p:nvPr>
-            <p:ph type="body" sz="quarter" idx="14"/>
-          </p:nvPr>
-        </p:nvSpPr>
-        <p:spPr/>
-        <p:txBody>
-          <a:bodyPr/>
-          <a:lstStyle/>
-          <a:p>
-            <a:endParaRPr lang="en-US"/>
-          </a:p>
-        </p:txBody>
-      </p:sp>
     </p:spTree>
     <p:extLst>
       <p:ext uri="{BB962C8B-B14F-4D97-AF65-F5344CB8AC3E}">
@@ -6743,31 +6375,6 @@
           </a:p>
         </p:txBody>
       </p:sp>
-      <p:sp>
-        <p:nvSpPr>
-          <p:cNvPr id="6" name="Text Placeholder 5">
-            <a:extLst>
-              <a:ext uri="{FF2B5EF4-FFF2-40B4-BE49-F238E27FC236}">
-                <a16:creationId xmlns:a16="http://schemas.microsoft.com/office/drawing/2014/main" id="{159BD4E0-003B-4725-A87D-664A175C56BA}"/>
-              </a:ext>
-            </a:extLst>
-          </p:cNvPr>
-          <p:cNvSpPr>
-            <a:spLocks noGrp="1"/>
-          </p:cNvSpPr>
-          <p:nvPr>
-            <p:ph type="body" sz="quarter" idx="14"/>
-          </p:nvPr>
-        </p:nvSpPr>
-        <p:spPr/>
-        <p:txBody>
-          <a:bodyPr/>
-          <a:lstStyle/>
-          <a:p>
-            <a:endParaRPr lang="en-US"/>
-          </a:p>
-        </p:txBody>
-      </p:sp>
     </p:spTree>
     <p:extLst>
       <p:ext uri="{BB962C8B-B14F-4D97-AF65-F5344CB8AC3E}">
@@ -6948,31 +6555,6 @@
           </a:p>
         </p:txBody>
       </p:sp>
-      <p:sp>
-        <p:nvSpPr>
-          <p:cNvPr id="6" name="Text Placeholder 5">
-            <a:extLst>
-              <a:ext uri="{FF2B5EF4-FFF2-40B4-BE49-F238E27FC236}">
-                <a16:creationId xmlns:a16="http://schemas.microsoft.com/office/drawing/2014/main" id="{D4886E2E-A9B3-41E3-8A7C-27B895690522}"/>
-              </a:ext>
-            </a:extLst>
-          </p:cNvPr>
-          <p:cNvSpPr>
-            <a:spLocks noGrp="1"/>
-          </p:cNvSpPr>
-          <p:nvPr>
-            <p:ph type="body" sz="quarter" idx="14"/>
-          </p:nvPr>
-        </p:nvSpPr>
-        <p:spPr/>
-        <p:txBody>
-          <a:bodyPr/>
-          <a:lstStyle/>
-          <a:p>
-            <a:endParaRPr lang="en-US"/>
-          </a:p>
-        </p:txBody>
-      </p:sp>
     </p:spTree>
     <p:extLst>
       <p:ext uri="{BB962C8B-B14F-4D97-AF65-F5344CB8AC3E}">
@@ -7135,31 +6717,6 @@
           </a:p>
         </p:txBody>
       </p:sp>
-      <p:sp>
-        <p:nvSpPr>
-          <p:cNvPr id="6" name="Text Placeholder 5">
-            <a:extLst>
-              <a:ext uri="{FF2B5EF4-FFF2-40B4-BE49-F238E27FC236}">
-                <a16:creationId xmlns:a16="http://schemas.microsoft.com/office/drawing/2014/main" id="{C5B4B786-FA62-4C8D-B58F-6A47EA2821BE}"/>
-              </a:ext>
-            </a:extLst>
-          </p:cNvPr>
-          <p:cNvSpPr>
-            <a:spLocks noGrp="1"/>
-          </p:cNvSpPr>
-          <p:nvPr>
-            <p:ph type="body" sz="quarter" idx="14"/>
-          </p:nvPr>
-        </p:nvSpPr>
-        <p:spPr/>
-        <p:txBody>
-          <a:bodyPr/>
-          <a:lstStyle/>
-          <a:p>
-            <a:endParaRPr lang="en-US"/>
-          </a:p>
-        </p:txBody>
-      </p:sp>
     </p:spTree>
     <p:extLst>
       <p:ext uri="{BB962C8B-B14F-4D97-AF65-F5344CB8AC3E}">
@@ -7263,58 +6820,6 @@
               <a:rPr lang="en-US" dirty="0"/>
               <a:t>In this stage, the kinds of testing applicable for the technical environment will be defined and tests are defined that can be supported by automated tools. </a:t>
             </a:r>
-          </a:p>
-        </p:txBody>
-      </p:sp>
-      <p:sp>
-        <p:nvSpPr>
-          <p:cNvPr id="4" name="Text Placeholder 3">
-            <a:extLst>
-              <a:ext uri="{FF2B5EF4-FFF2-40B4-BE49-F238E27FC236}">
-                <a16:creationId xmlns:a16="http://schemas.microsoft.com/office/drawing/2014/main" id="{9733431C-29DE-4B10-AC0E-42059790F348}"/>
-              </a:ext>
-            </a:extLst>
-          </p:cNvPr>
-          <p:cNvSpPr>
-            <a:spLocks noGrp="1"/>
-          </p:cNvSpPr>
-          <p:nvPr>
-            <p:ph type="body" sz="quarter" idx="13"/>
-          </p:nvPr>
-        </p:nvSpPr>
-        <p:spPr/>
-        <p:txBody>
-          <a:bodyPr>
-            <a:normAutofit/>
-          </a:bodyPr>
-          <a:lstStyle/>
-          <a:p>
-            <a:endParaRPr lang="en-US" dirty="0"/>
-          </a:p>
-        </p:txBody>
-      </p:sp>
-      <p:sp>
-        <p:nvSpPr>
-          <p:cNvPr id="6" name="Text Placeholder 5">
-            <a:extLst>
-              <a:ext uri="{FF2B5EF4-FFF2-40B4-BE49-F238E27FC236}">
-                <a16:creationId xmlns:a16="http://schemas.microsoft.com/office/drawing/2014/main" id="{C5B4B786-FA62-4C8D-B58F-6A47EA2821BE}"/>
-              </a:ext>
-            </a:extLst>
-          </p:cNvPr>
-          <p:cNvSpPr>
-            <a:spLocks noGrp="1"/>
-          </p:cNvSpPr>
-          <p:nvPr>
-            <p:ph type="body" sz="quarter" idx="14"/>
-          </p:nvPr>
-        </p:nvSpPr>
-        <p:spPr/>
-        <p:txBody>
-          <a:bodyPr/>
-          <a:lstStyle/>
-          <a:p>
-            <a:endParaRPr lang="en-US"/>
           </a:p>
         </p:txBody>
       </p:sp>
